--- a/CommunityTalks/October 09 - DotNetRomaCesta/ASPNET MVC Framework - Best Practices - ENG.pptx
+++ b/CommunityTalks/October 09 - DotNetRomaCesta/ASPNET MVC Framework - Best Practices - ENG.pptx
@@ -2679,7 +2679,11 @@
           <a:p>
             <a:r>
               <a:rPr lang="it-IT" dirty="0" smtClean="0"/>
-              <a:t>2 - Isolate controllers from the external World</a:t>
+              <a:t>2 - Isolate controllers from the </a:t>
+            </a:r>
+            <a:r>
+              <a:rPr lang="it-IT" dirty="0" smtClean="0"/>
+              <a:t>outside World</a:t>
             </a:r>
             <a:endParaRPr lang="it-IT" dirty="0"/>
           </a:p>
@@ -2798,7 +2802,11 @@
           <a:p>
             <a:r>
               <a:rPr lang="it-IT" dirty="0" smtClean="0"/>
-              <a:t>2 - Isolate controllers from the external World</a:t>
+              <a:t>2 - Isolate controllers from the </a:t>
+            </a:r>
+            <a:r>
+              <a:rPr lang="it-IT" dirty="0" smtClean="0"/>
+              <a:t>outside World</a:t>
             </a:r>
             <a:endParaRPr lang="it-IT" dirty="0"/>
           </a:p>
@@ -4105,11 +4113,19 @@
             </a:r>
             <a:r>
               <a:rPr lang="en-US" dirty="0" smtClean="0"/>
-              <a:t> inside ASP.NET MVC with </a:t>
+              <a:t> inside ASP.NET MVC </a:t>
+            </a:r>
+            <a:r>
+              <a:rPr lang="en-US" dirty="0" smtClean="0"/>
+              <a:t>using </a:t>
             </a:r>
             <a:r>
               <a:rPr lang="en-US" dirty="0" err="1" smtClean="0"/>
               <a:t>Ninject</a:t>
+            </a:r>
+            <a:r>
+              <a:rPr lang="en-US" dirty="0" smtClean="0"/>
+              <a:t> v2</a:t>
             </a:r>
             <a:endParaRPr lang="it-IT" dirty="0"/>
           </a:p>
@@ -4318,7 +4334,15 @@
           <a:p>
             <a:r>
               <a:rPr lang="it-IT" dirty="0" smtClean="0"/>
-              <a:t>Never user ViewData[“key”]</a:t>
+              <a:t>Never </a:t>
+            </a:r>
+            <a:r>
+              <a:rPr lang="it-IT" dirty="0" smtClean="0"/>
+              <a:t>use </a:t>
+            </a:r>
+            <a:r>
+              <a:rPr lang="it-IT" dirty="0" smtClean="0"/>
+              <a:t>ViewData[“key”]</a:t>
             </a:r>
           </a:p>
           <a:p>
@@ -4497,22 +4521,45 @@
           <a:p>
             <a:r>
               <a:rPr lang="it-IT" dirty="0" smtClean="0"/>
-              <a:t>ASP.NET MVC is base on which you can build your own reference architecture</a:t>
-            </a:r>
-            <a:endParaRPr lang="it-IT" dirty="0" smtClean="0"/>
-          </a:p>
-          <a:p>
-            <a:r>
-              <a:rPr lang="it-IT" dirty="0" smtClean="0"/>
-              <a:t>Controllers (</a:t>
-            </a:r>
-            <a:r>
-              <a:rPr lang="it-IT" dirty="0" smtClean="0"/>
-              <a:t>and </a:t>
-            </a:r>
-            <a:r>
-              <a:rPr lang="it-IT" dirty="0" smtClean="0"/>
-              <a:t>views) implement your own base class</a:t>
+              <a:t>ASP.NET MVC is </a:t>
+            </a:r>
+            <a:r>
+              <a:rPr lang="it-IT" dirty="0" smtClean="0"/>
+              <a:t>the </a:t>
+            </a:r>
+            <a:r>
+              <a:rPr lang="it-IT" dirty="0" smtClean="0"/>
+              <a:t>base </a:t>
+            </a:r>
+            <a:r>
+              <a:rPr lang="it-IT" dirty="0" smtClean="0"/>
+              <a:t>on which </a:t>
+            </a:r>
+            <a:r>
+              <a:rPr lang="it-IT" dirty="0" smtClean="0"/>
+              <a:t>to build </a:t>
+            </a:r>
+            <a:r>
+              <a:rPr lang="it-IT" dirty="0" smtClean="0"/>
+              <a:t>your own reference architecture</a:t>
+            </a:r>
+          </a:p>
+          <a:p>
+            <a:r>
+              <a:rPr lang="it-IT" dirty="0" smtClean="0"/>
+              <a:t>Controllers (and views) </a:t>
+            </a:r>
+            <a:r>
+              <a:rPr lang="it-IT" dirty="0" smtClean="0"/>
+              <a:t>inherint from your </a:t>
+            </a:r>
+            <a:r>
+              <a:rPr lang="it-IT" dirty="0" smtClean="0"/>
+              <a:t>own base </a:t>
+            </a:r>
+            <a:r>
+              <a:rPr lang="it-IT" dirty="0" smtClean="0"/>
+              <a:t>class</a:t>
             </a:r>
             <a:endParaRPr lang="it-IT" dirty="0" smtClean="0"/>
           </a:p>
@@ -4593,7 +4640,7 @@
               <a:t>Best Practice </a:t>
             </a:r>
             <a:r>
-              <a:rPr lang="it-IT" dirty="0" err="1" smtClean="0"/>
+              <a:rPr lang="it-IT" dirty="0" smtClean="0"/>
               <a:t>n°</a:t>
             </a:r>
             <a:r>
@@ -4601,7 +4648,7 @@
               <a:t> </a:t>
             </a:r>
             <a:r>
-              <a:rPr lang="it-IT" dirty="0" err="1" smtClean="0"/>
+              <a:rPr lang="it-IT" dirty="0" smtClean="0"/>
               <a:t>6</a:t>
             </a:r>
             <a:endParaRPr lang="it-IT" dirty="0"/>
@@ -4690,7 +4737,6 @@
               <a:rPr lang="en-US" dirty="0" smtClean="0"/>
               <a:t>What happens when you refresh (or go back) after you submit a form?</a:t>
             </a:r>
-            <a:endParaRPr lang="en-US" dirty="0" smtClean="0"/>
           </a:p>
           <a:p>
             <a:endParaRPr lang="en-US" dirty="0"/>
@@ -4907,11 +4953,11 @@
           <a:p>
             <a:r>
               <a:rPr lang="it-IT" dirty="0" smtClean="0"/>
-              <a:t>View </a:t>
-            </a:r>
-            <a:r>
-              <a:rPr lang="it-IT" dirty="0" smtClean="0"/>
-              <a:t>sends data with </a:t>
+              <a:t>View sends data </a:t>
+            </a:r>
+            <a:r>
+              <a:rPr lang="it-IT" dirty="0" smtClean="0"/>
+              <a:t>in </a:t>
             </a:r>
             <a:r>
               <a:rPr lang="it-IT" dirty="0" smtClean="0"/>
@@ -4921,27 +4967,14 @@
           <a:p>
             <a:r>
               <a:rPr lang="it-IT" dirty="0" smtClean="0"/>
-              <a:t>Controller </a:t>
-            </a:r>
-            <a:r>
-              <a:rPr lang="it-IT" dirty="0" smtClean="0"/>
-              <a:t>validates</a:t>
-            </a:r>
-            <a:endParaRPr lang="it-IT" dirty="0" smtClean="0"/>
+              <a:t>Controller validates</a:t>
+            </a:r>
           </a:p>
           <a:p>
             <a:pPr lvl="1"/>
             <a:r>
               <a:rPr lang="it-IT" dirty="0" smtClean="0"/>
-              <a:t>Renders the </a:t>
-            </a:r>
-            <a:r>
-              <a:rPr lang="it-IT" dirty="0" smtClean="0"/>
-              <a:t>View with errors </a:t>
-            </a:r>
-            <a:r>
-              <a:rPr lang="it-IT" dirty="0" smtClean="0"/>
-              <a:t>(POST)</a:t>
+              <a:t>Renders the View with errors (POST)</a:t>
             </a:r>
           </a:p>
           <a:p>
@@ -5037,21 +5070,13 @@
           <a:p>
             <a:r>
               <a:rPr lang="it-IT" dirty="0" smtClean="0"/>
-              <a:t>Show data </a:t>
-            </a:r>
-            <a:r>
-              <a:rPr lang="it-IT" dirty="0" smtClean="0"/>
-              <a:t>in GET</a:t>
-            </a:r>
-          </a:p>
-          <a:p>
-            <a:r>
-              <a:rPr lang="it-IT" dirty="0" smtClean="0"/>
-              <a:t>Modify data in </a:t>
-            </a:r>
-            <a:r>
-              <a:rPr lang="it-IT" dirty="0" smtClean="0"/>
-              <a:t>POST</a:t>
+              <a:t>Show data in GET</a:t>
+            </a:r>
+          </a:p>
+          <a:p>
+            <a:r>
+              <a:rPr lang="it-IT" dirty="0" smtClean="0"/>
+              <a:t>Modify data in POST</a:t>
             </a:r>
           </a:p>
         </p:txBody>
@@ -5214,11 +5239,7 @@
           <a:p>
             <a:r>
               <a:rPr lang="it-IT" dirty="0" smtClean="0"/>
-              <a:t>Work for </a:t>
-            </a:r>
-            <a:r>
-              <a:rPr lang="it-IT" dirty="0" smtClean="0"/>
-              <a:t>Avanade Italy</a:t>
+              <a:t>Work for Avanade Italy</a:t>
             </a:r>
           </a:p>
           <a:p>
@@ -5246,13 +5267,8 @@
           <a:p>
             <a:r>
               <a:rPr lang="it-IT" dirty="0" smtClean="0"/>
-              <a:t>Founder </a:t>
-            </a:r>
-            <a:r>
-              <a:rPr lang="it-IT" dirty="0" smtClean="0"/>
-              <a:t>of UGIALT.NET</a:t>
-            </a:r>
-            <a:endParaRPr lang="it-IT" dirty="0" smtClean="0"/>
+              <a:t>Founder of UGIALT.NET</a:t>
+            </a:r>
           </a:p>
           <a:p>
             <a:r>
@@ -5560,15 +5576,11 @@
             <a:pPr lvl="1"/>
             <a:r>
               <a:rPr lang="it-IT" dirty="0" smtClean="0"/>
-              <a:t>Data </a:t>
-            </a:r>
-            <a:r>
-              <a:rPr lang="it-IT" dirty="0" smtClean="0"/>
-              <a:t>+ </a:t>
-            </a:r>
-            <a:r>
-              <a:rPr lang="it-IT" dirty="0" smtClean="0"/>
-              <a:t>Behaviour</a:t>
+              <a:t>Data + </a:t>
+            </a:r>
+            <a:r>
+              <a:rPr lang="it-IT" dirty="0" smtClean="0"/>
+              <a:t>Behaviours</a:t>
             </a:r>
             <a:endParaRPr lang="it-IT" dirty="0" smtClean="0"/>
           </a:p>
@@ -5580,7 +5592,7 @@
             </a:r>
             <a:r>
               <a:rPr lang="it-IT" dirty="0" smtClean="0"/>
-              <a:t>strongly typed</a:t>
+              <a:t>complex types</a:t>
             </a:r>
             <a:endParaRPr lang="it-IT" dirty="0" smtClean="0"/>
           </a:p>
@@ -5596,19 +5608,13 @@
               <a:rPr lang="it-IT" dirty="0" smtClean="0"/>
               <a:t>Only Data</a:t>
             </a:r>
-            <a:endParaRPr lang="it-IT" dirty="0" smtClean="0"/>
           </a:p>
           <a:p>
             <a:pPr lvl="1"/>
             <a:r>
               <a:rPr lang="it-IT" dirty="0" smtClean="0"/>
-              <a:t>Flat, </a:t>
-            </a:r>
-            <a:r>
-              <a:rPr lang="it-IT" dirty="0" smtClean="0"/>
-              <a:t>only strings</a:t>
-            </a:r>
-            <a:endParaRPr lang="it-IT" dirty="0" smtClean="0"/>
+              <a:t>Flat, only strings</a:t>
+            </a:r>
           </a:p>
         </p:txBody>
       </p:sp>
@@ -5691,7 +5697,6 @@
               <a:rPr lang="it-IT" dirty="0" smtClean="0"/>
               <a:t>How to avoid getting bored writing tedious mapping code?</a:t>
             </a:r>
-            <a:endParaRPr lang="it-IT" dirty="0" smtClean="0"/>
           </a:p>
           <a:p>
             <a:endParaRPr lang="it-IT" dirty="0" smtClean="0"/>
@@ -5886,7 +5891,6 @@
               <a:rPr lang="it-IT" dirty="0" smtClean="0"/>
               <a:t>The Controller must “create” all data needed by all the partials</a:t>
             </a:r>
-            <a:endParaRPr lang="it-IT" dirty="0" smtClean="0"/>
           </a:p>
           <a:p>
             <a:r>
@@ -5898,15 +5902,7 @@
             <a:pPr lvl="1"/>
             <a:r>
               <a:rPr lang="it-IT" dirty="0" smtClean="0"/>
-              <a:t>Smells </a:t>
-            </a:r>
-            <a:r>
-              <a:rPr lang="it-IT" dirty="0" smtClean="0"/>
-              <a:t>(view calls a </a:t>
-            </a:r>
-            <a:r>
-              <a:rPr lang="it-IT" dirty="0" smtClean="0"/>
-              <a:t>controller)</a:t>
+              <a:t>Smells (view calls a controller)</a:t>
             </a:r>
           </a:p>
           <a:p>
@@ -5915,7 +5911,6 @@
               <a:rPr lang="it-IT" dirty="0" smtClean="0"/>
               <a:t>More difficult to test</a:t>
             </a:r>
-            <a:endParaRPr lang="it-IT" dirty="0" smtClean="0"/>
           </a:p>
           <a:p>
             <a:r>
@@ -5927,21 +5922,8 @@
             <a:pPr lvl="1"/>
             <a:r>
               <a:rPr lang="it-IT" dirty="0" smtClean="0"/>
-              <a:t>Ok </a:t>
-            </a:r>
-            <a:r>
-              <a:rPr lang="it-IT" dirty="0" smtClean="0"/>
-              <a:t>for some HTML</a:t>
-            </a:r>
-            <a:r>
-              <a:rPr lang="it-IT" dirty="0" smtClean="0"/>
-              <a:t>, </a:t>
-            </a:r>
-            <a:r>
-              <a:rPr lang="it-IT" dirty="0" smtClean="0"/>
-              <a:t>but must not have logic</a:t>
-            </a:r>
-            <a:endParaRPr lang="it-IT" dirty="0" smtClean="0"/>
+              <a:t>Ok for some HTML, but must not have logic</a:t>
+            </a:r>
           </a:p>
         </p:txBody>
       </p:sp>
@@ -6022,27 +6004,14 @@
           <a:p>
             <a:r>
               <a:rPr lang="it-IT" dirty="0" smtClean="0"/>
-              <a:t>Defined as </a:t>
-            </a:r>
-            <a:r>
-              <a:rPr lang="it-IT" dirty="0" smtClean="0"/>
-              <a:t>Attributi</a:t>
-            </a:r>
-          </a:p>
-          <a:p>
-            <a:r>
-              <a:rPr lang="it-IT" dirty="0" smtClean="0"/>
-              <a:t>Allow you to execute </a:t>
-            </a:r>
-            <a:r>
-              <a:rPr lang="it-IT" dirty="0" smtClean="0"/>
-              <a:t>“</a:t>
-            </a:r>
-            <a:r>
-              <a:rPr lang="it-IT" dirty="0" smtClean="0"/>
-              <a:t>code”</a:t>
-            </a:r>
-            <a:endParaRPr lang="it-IT" dirty="0" smtClean="0"/>
+              <a:t>Defined as Attributi</a:t>
+            </a:r>
+          </a:p>
+          <a:p>
+            <a:r>
+              <a:rPr lang="it-IT" dirty="0" smtClean="0"/>
+              <a:t>Allow you to execute “code”</a:t>
+            </a:r>
           </a:p>
           <a:p>
             <a:pPr lvl="1"/>
@@ -6050,7 +6019,6 @@
               <a:rPr lang="it-IT" dirty="0" smtClean="0"/>
               <a:t>During the Autenthorization phase</a:t>
             </a:r>
-            <a:endParaRPr lang="it-IT" dirty="0" smtClean="0"/>
           </a:p>
           <a:p>
             <a:pPr lvl="1"/>
@@ -6058,7 +6026,6 @@
               <a:rPr lang="it-IT" dirty="0" smtClean="0"/>
               <a:t>If an exception occurs</a:t>
             </a:r>
-            <a:endParaRPr lang="it-IT" dirty="0" smtClean="0"/>
           </a:p>
           <a:p>
             <a:pPr lvl="1"/>
@@ -6066,7 +6033,6 @@
               <a:rPr lang="it-IT" dirty="0" smtClean="0"/>
               <a:t>Before an Action</a:t>
             </a:r>
-            <a:endParaRPr lang="it-IT" dirty="0" smtClean="0"/>
           </a:p>
           <a:p>
             <a:pPr lvl="1"/>
@@ -6074,7 +6040,6 @@
               <a:rPr lang="it-IT" dirty="0" smtClean="0"/>
               <a:t>After an Action</a:t>
             </a:r>
-            <a:endParaRPr lang="it-IT" dirty="0" smtClean="0"/>
           </a:p>
           <a:p>
             <a:pPr lvl="1"/>
@@ -6082,7 +6047,6 @@
               <a:rPr lang="it-IT" dirty="0" smtClean="0"/>
               <a:t>Before the rendering of a view</a:t>
             </a:r>
-            <a:endParaRPr lang="it-IT" dirty="0" smtClean="0"/>
           </a:p>
           <a:p>
             <a:pPr lvl="1"/>
@@ -6090,14 +6054,12 @@
               <a:rPr lang="it-IT" dirty="0" smtClean="0"/>
               <a:t>After the rendering of a view</a:t>
             </a:r>
-            <a:endParaRPr lang="it-IT" dirty="0" smtClean="0"/>
           </a:p>
           <a:p>
             <a:r>
               <a:rPr lang="it-IT" dirty="0" smtClean="0"/>
               <a:t>“Core” filters</a:t>
             </a:r>
-            <a:endParaRPr lang="it-IT" dirty="0" smtClean="0"/>
           </a:p>
           <a:p>
             <a:pPr lvl="1"/>
@@ -6200,17 +6162,8 @@
             <a:pPr lvl="1"/>
             <a:r>
               <a:rPr lang="it-IT" dirty="0" smtClean="0"/>
-              <a:t>Has code for his </a:t>
-            </a:r>
-            <a:r>
-              <a:rPr lang="it-IT" dirty="0" smtClean="0"/>
-              <a:t>“main concern” </a:t>
-            </a:r>
-            <a:r>
-              <a:rPr lang="it-IT" dirty="0" smtClean="0"/>
-              <a:t>and “create” the main data</a:t>
-            </a:r>
-            <a:endParaRPr lang="it-IT" dirty="0" smtClean="0"/>
+              <a:t>Has code for his “main concern” and “create” the main data</a:t>
+            </a:r>
           </a:p>
           <a:p>
             <a:r>
@@ -6224,17 +6177,12 @@
               <a:rPr lang="it-IT" dirty="0" smtClean="0"/>
               <a:t>Renders the main output</a:t>
             </a:r>
-            <a:endParaRPr lang="it-IT" dirty="0" smtClean="0"/>
           </a:p>
           <a:p>
             <a:pPr lvl="1"/>
             <a:r>
               <a:rPr lang="it-IT" dirty="0" smtClean="0"/>
-              <a:t>Calls the various </a:t>
-            </a:r>
-            <a:r>
-              <a:rPr lang="it-IT" dirty="0" smtClean="0"/>
-              <a:t>PartialViews</a:t>
+              <a:t>Calls the various PartialViews</a:t>
             </a:r>
           </a:p>
           <a:p>
@@ -6249,7 +6197,6 @@
               <a:rPr lang="it-IT" dirty="0" smtClean="0"/>
               <a:t>Load data for the partial views</a:t>
             </a:r>
-            <a:endParaRPr lang="it-IT" dirty="0" smtClean="0"/>
           </a:p>
           <a:p>
             <a:r>
@@ -6261,11 +6208,7 @@
             <a:pPr lvl="1"/>
             <a:r>
               <a:rPr lang="it-IT" dirty="0" smtClean="0"/>
-              <a:t>Render data loaded via Action </a:t>
-            </a:r>
-            <a:r>
-              <a:rPr lang="it-IT" dirty="0" smtClean="0"/>
-              <a:t>Filters</a:t>
+              <a:t>Render data loaded via Action Filters</a:t>
             </a:r>
           </a:p>
         </p:txBody>
@@ -6505,7 +6448,6 @@
               <a:rPr lang="it-IT" sz="6600" dirty="0" smtClean="0"/>
               <a:t>NEVER</a:t>
             </a:r>
-            <a:endParaRPr lang="it-IT" sz="6600" dirty="0" smtClean="0"/>
           </a:p>
         </p:txBody>
       </p:sp>
@@ -6960,22 +6902,12 @@
               <a:rPr lang="it-IT" dirty="0" smtClean="0"/>
               <a:t>You MUST learn HTML</a:t>
             </a:r>
-            <a:endParaRPr lang="it-IT" dirty="0" smtClean="0"/>
-          </a:p>
-          <a:p>
-            <a:r>
-              <a:rPr lang="it-IT" dirty="0" smtClean="0"/>
-              <a:t>Do never use </a:t>
-            </a:r>
-            <a:r>
-              <a:rPr lang="it-IT" dirty="0" smtClean="0"/>
-              <a:t>HtmlHelpers </a:t>
-            </a:r>
-            <a:r>
-              <a:rPr lang="it-IT" dirty="0" smtClean="0"/>
-              <a:t>that ONLY abstract HTML awat</a:t>
-            </a:r>
-            <a:endParaRPr lang="it-IT" dirty="0" smtClean="0"/>
+          </a:p>
+          <a:p>
+            <a:r>
+              <a:rPr lang="it-IT" dirty="0" smtClean="0"/>
+              <a:t>Do never use HtmlHelpers that ONLY abstract HTML awat</a:t>
+            </a:r>
           </a:p>
           <a:p>
             <a:pPr lvl="1" algn="ctr">
@@ -7179,27 +7111,17 @@
               <a:rPr lang="it-IT" dirty="0" smtClean="0"/>
               <a:t>View must not have logic</a:t>
             </a:r>
-            <a:endParaRPr lang="it-IT" dirty="0" smtClean="0"/>
-          </a:p>
-          <a:p>
-            <a:r>
-              <a:rPr lang="it-IT" dirty="0" smtClean="0"/>
-              <a:t>Allowed: </a:t>
-            </a:r>
-            <a:r>
-              <a:rPr lang="it-IT" dirty="0" smtClean="0"/>
-              <a:t>if - foreach</a:t>
-            </a:r>
-            <a:endParaRPr lang="it-IT" dirty="0" smtClean="0"/>
-          </a:p>
-          <a:p>
-            <a:r>
-              <a:rPr lang="it-IT" dirty="0" smtClean="0"/>
-              <a:t>When possible, “hides” them </a:t>
-            </a:r>
-            <a:r>
-              <a:rPr lang="it-IT" dirty="0" smtClean="0"/>
-              <a:t>in HtmlHelpers</a:t>
+          </a:p>
+          <a:p>
+            <a:r>
+              <a:rPr lang="it-IT" dirty="0" smtClean="0"/>
+              <a:t>Allowed: if - foreach</a:t>
+            </a:r>
+          </a:p>
+          <a:p>
+            <a:r>
+              <a:rPr lang="it-IT" dirty="0" smtClean="0"/>
+              <a:t>When possible, “hides” them in HtmlHelpers</a:t>
             </a:r>
           </a:p>
         </p:txBody>
@@ -7359,11 +7281,7 @@
           <a:p>
             <a:r>
               <a:rPr lang="it-IT" dirty="0" smtClean="0"/>
-              <a:t>The default is </a:t>
-            </a:r>
-            <a:r>
-              <a:rPr lang="it-IT" dirty="0" smtClean="0"/>
-              <a:t>WebFormViewEngine</a:t>
+              <a:t>The default is WebFormViewEngine</a:t>
             </a:r>
           </a:p>
           <a:p>
@@ -7371,14 +7289,12 @@
               <a:rPr lang="it-IT" dirty="0" smtClean="0"/>
               <a:t>Not the best available</a:t>
             </a:r>
-            <a:endParaRPr lang="it-IT" dirty="0" smtClean="0"/>
           </a:p>
           <a:p>
             <a:r>
               <a:rPr lang="it-IT" dirty="0" smtClean="0"/>
               <a:t>Choose the one that most suits you</a:t>
             </a:r>
-            <a:endParaRPr lang="it-IT" dirty="0" smtClean="0"/>
           </a:p>
         </p:txBody>
       </p:sp>
@@ -7468,17 +7384,12 @@
               <a:rPr lang="it-IT" dirty="0" smtClean="0"/>
               <a:t>The flow is managed by HTML</a:t>
             </a:r>
-            <a:endParaRPr lang="it-IT" dirty="0" smtClean="0"/>
           </a:p>
           <a:p>
             <a:pPr lvl="1"/>
             <a:r>
               <a:rPr lang="it-IT" dirty="0" smtClean="0"/>
-              <a:t>It’s a templating </a:t>
-            </a:r>
-            <a:r>
-              <a:rPr lang="it-IT" dirty="0" smtClean="0"/>
-              <a:t>engine</a:t>
+              <a:t>It’s a templating engine</a:t>
             </a:r>
           </a:p>
           <a:p>
@@ -7498,11 +7409,7 @@
             <a:pPr lvl="1"/>
             <a:r>
               <a:rPr lang="it-IT" dirty="0" smtClean="0"/>
-              <a:t>Evaluates templates also with </a:t>
-            </a:r>
-            <a:r>
-              <a:rPr lang="it-IT" dirty="0" smtClean="0"/>
-              <a:t>Javascript</a:t>
+              <a:t>Evaluates templates also with Javascript</a:t>
             </a:r>
           </a:p>
         </p:txBody>
@@ -7589,15 +7496,7 @@
           <a:p>
             <a:r>
               <a:rPr lang="it-IT" dirty="0" smtClean="0"/>
-              <a:t>Simone Chiaretta </a:t>
-            </a:r>
-            <a:r>
-              <a:rPr lang="it-IT" dirty="0" smtClean="0"/>
-              <a:t>&amp; </a:t>
-            </a:r>
-            <a:r>
-              <a:rPr lang="it-IT" dirty="0" smtClean="0"/>
-              <a:t>Keyvan Nayyeri</a:t>
+              <a:t>Simone Chiaretta &amp; Keyvan Nayyeri</a:t>
             </a:r>
           </a:p>
           <a:p>
@@ -7624,13 +7523,8 @@
             <a:pPr lvl="1"/>
             <a:r>
               <a:rPr lang="it-IT" b="1" dirty="0" smtClean="0"/>
-              <a:t>And more</a:t>
-            </a:r>
-            <a:r>
-              <a:rPr lang="it-IT" b="1" dirty="0" smtClean="0"/>
-              <a:t>...</a:t>
-            </a:r>
-            <a:endParaRPr lang="it-IT" b="1" dirty="0" smtClean="0"/>
+              <a:t>And more...</a:t>
+            </a:r>
           </a:p>
         </p:txBody>
       </p:sp>
@@ -7781,11 +7675,7 @@
           <a:p>
             <a:r>
               <a:rPr lang="en-US" dirty="0" smtClean="0"/>
-              <a:t>Contacts </a:t>
-            </a:r>
-            <a:r>
-              <a:rPr lang="en-US" dirty="0" smtClean="0"/>
-              <a:t>– Simone Chiaretta</a:t>
+              <a:t>Contacts – Simone Chiaretta</a:t>
             </a:r>
             <a:endParaRPr lang="en-US" dirty="0"/>
           </a:p>
@@ -9017,7 +8907,15 @@
             <a:pPr algn="ctr"/>
             <a:r>
               <a:rPr lang="en-US" sz="1400" dirty="0" smtClean="0"/>
-              <a:t>The Model give the data back to the Controller</a:t>
+              <a:t>The Model </a:t>
+            </a:r>
+            <a:r>
+              <a:rPr lang="en-US" sz="1400" dirty="0" smtClean="0"/>
+              <a:t>gives </a:t>
+            </a:r>
+            <a:r>
+              <a:rPr lang="en-US" sz="1400" dirty="0" smtClean="0"/>
+              <a:t>the data back to the Controller</a:t>
             </a:r>
             <a:endParaRPr lang="en-US" sz="1400" dirty="0"/>
           </a:p>
@@ -9064,7 +8962,15 @@
           <a:p>
             <a:r>
               <a:rPr lang="en-US" sz="1400" dirty="0" smtClean="0"/>
-              <a:t>The controller formats the data and pass them to the View</a:t>
+              <a:t>The controller formats the data and </a:t>
+            </a:r>
+            <a:r>
+              <a:rPr lang="en-US" sz="1400" dirty="0" smtClean="0"/>
+              <a:t>passes </a:t>
+            </a:r>
+            <a:r>
+              <a:rPr lang="en-US" sz="1400" dirty="0" smtClean="0"/>
+              <a:t>them to the View</a:t>
             </a:r>
             <a:endParaRPr lang="en-US" sz="1400" dirty="0"/>
           </a:p>
@@ -9926,7 +9832,7 @@
         <p:spPr>
           <a:xfrm>
             <a:off x="457200" y="990600"/>
-            <a:ext cx="8229600" cy="2086725"/>
+            <a:ext cx="8229600" cy="2160591"/>
           </a:xfrm>
         </p:spPr>
         <p:txBody>
@@ -9935,13 +9841,29 @@
           <a:p>
             <a:r>
               <a:rPr lang="it-IT" dirty="0" smtClean="0"/>
-              <a:t>You will probably never use this account management pages</a:t>
-            </a:r>
-          </a:p>
-          <a:p>
-            <a:r>
-              <a:rPr lang="it-IT" dirty="0" smtClean="0"/>
-              <a:t>Keeping some demo code in a production application is EVIL</a:t>
+              <a:t>You will probably never use </a:t>
+            </a:r>
+            <a:r>
+              <a:rPr lang="it-IT" dirty="0" smtClean="0"/>
+              <a:t>these </a:t>
+            </a:r>
+            <a:r>
+              <a:rPr lang="it-IT" dirty="0" smtClean="0"/>
+              <a:t>account management pages</a:t>
+            </a:r>
+          </a:p>
+          <a:p>
+            <a:r>
+              <a:rPr lang="it-IT" dirty="0" smtClean="0"/>
+              <a:t>Keeping </a:t>
+            </a:r>
+            <a:r>
+              <a:rPr lang="it-IT" dirty="0" smtClean="0"/>
+              <a:t>demo </a:t>
+            </a:r>
+            <a:r>
+              <a:rPr lang="it-IT" dirty="0" smtClean="0"/>
+              <a:t>code in a production application is EVIL</a:t>
             </a:r>
           </a:p>
           <a:p>

--- a/CommunityTalks/October 09 - DotNetRomaCesta/ASPNET MVC Framework - Best Practices - ENG.pptx
+++ b/CommunityTalks/October 09 - DotNetRomaCesta/ASPNET MVC Framework - Best Practices - ENG.pptx
@@ -5,10 +5,10 @@
     <p:sldMasterId id="2147483650" r:id="rId1"/>
   </p:sldMasterIdLst>
   <p:notesMasterIdLst>
-    <p:notesMasterId r:id="rId51"/>
+    <p:notesMasterId r:id="rId52"/>
   </p:notesMasterIdLst>
   <p:handoutMasterIdLst>
-    <p:handoutMasterId r:id="rId52"/>
+    <p:handoutMasterId r:id="rId53"/>
   </p:handoutMasterIdLst>
   <p:sldIdLst>
     <p:sldId id="372" r:id="rId2"/>
@@ -59,7 +59,8 @@
     <p:sldId id="419" r:id="rId47"/>
     <p:sldId id="312" r:id="rId48"/>
     <p:sldId id="374" r:id="rId49"/>
-    <p:sldId id="287" r:id="rId50"/>
+    <p:sldId id="421" r:id="rId50"/>
+    <p:sldId id="287" r:id="rId51"/>
   </p:sldIdLst>
   <p:sldSz cx="9144000" cy="6858000" type="screen4x3"/>
   <p:notesSz cx="7010400" cy="9296400"/>
@@ -274,7 +275,7 @@
             <a:fld id="{39DBD574-A14B-4F4E-902A-B8280CA594B9}" type="datetimeFigureOut">
               <a:rPr lang="en-US" smtClean="0"/>
               <a:pPr/>
-              <a:t>10/27/2009</a:t>
+              <a:t>10/30/2009</a:t>
             </a:fld>
             <a:endParaRPr lang="en-US"/>
           </a:p>
@@ -2679,11 +2680,7 @@
           <a:p>
             <a:r>
               <a:rPr lang="it-IT" dirty="0" smtClean="0"/>
-              <a:t>2 - Isolate controllers from the </a:t>
-            </a:r>
-            <a:r>
-              <a:rPr lang="it-IT" dirty="0" smtClean="0"/>
-              <a:t>outside World</a:t>
+              <a:t>2 - Isolate controllers from the outside World</a:t>
             </a:r>
             <a:endParaRPr lang="it-IT" dirty="0"/>
           </a:p>
@@ -2802,11 +2799,7 @@
           <a:p>
             <a:r>
               <a:rPr lang="it-IT" dirty="0" smtClean="0"/>
-              <a:t>2 - Isolate controllers from the </a:t>
-            </a:r>
-            <a:r>
-              <a:rPr lang="it-IT" dirty="0" smtClean="0"/>
-              <a:t>outside World</a:t>
+              <a:t>2 - Isolate controllers from the outside World</a:t>
             </a:r>
             <a:endParaRPr lang="it-IT" dirty="0"/>
           </a:p>
@@ -4113,11 +4106,7 @@
             </a:r>
             <a:r>
               <a:rPr lang="en-US" dirty="0" smtClean="0"/>
-              <a:t> inside ASP.NET MVC </a:t>
-            </a:r>
-            <a:r>
-              <a:rPr lang="en-US" dirty="0" smtClean="0"/>
-              <a:t>using </a:t>
+              <a:t> inside ASP.NET MVC using </a:t>
             </a:r>
             <a:r>
               <a:rPr lang="en-US" dirty="0" err="1" smtClean="0"/>
@@ -4334,15 +4323,7 @@
           <a:p>
             <a:r>
               <a:rPr lang="it-IT" dirty="0" smtClean="0"/>
-              <a:t>Never </a:t>
-            </a:r>
-            <a:r>
-              <a:rPr lang="it-IT" dirty="0" smtClean="0"/>
-              <a:t>use </a:t>
-            </a:r>
-            <a:r>
-              <a:rPr lang="it-IT" dirty="0" smtClean="0"/>
-              <a:t>ViewData[“key”]</a:t>
+              <a:t>Never use ViewData[“key”]</a:t>
             </a:r>
           </a:p>
           <a:p>
@@ -4521,47 +4502,14 @@
           <a:p>
             <a:r>
               <a:rPr lang="it-IT" dirty="0" smtClean="0"/>
-              <a:t>ASP.NET MVC is </a:t>
-            </a:r>
-            <a:r>
-              <a:rPr lang="it-IT" dirty="0" smtClean="0"/>
-              <a:t>the </a:t>
-            </a:r>
-            <a:r>
-              <a:rPr lang="it-IT" dirty="0" smtClean="0"/>
-              <a:t>base </a:t>
-            </a:r>
-            <a:r>
-              <a:rPr lang="it-IT" dirty="0" smtClean="0"/>
-              <a:t>on which </a:t>
-            </a:r>
-            <a:r>
-              <a:rPr lang="it-IT" dirty="0" smtClean="0"/>
-              <a:t>to build </a:t>
-            </a:r>
-            <a:r>
-              <a:rPr lang="it-IT" dirty="0" smtClean="0"/>
-              <a:t>your own reference architecture</a:t>
-            </a:r>
-          </a:p>
-          <a:p>
-            <a:r>
-              <a:rPr lang="it-IT" dirty="0" smtClean="0"/>
-              <a:t>Controllers (and views) </a:t>
-            </a:r>
-            <a:r>
-              <a:rPr lang="it-IT" dirty="0" smtClean="0"/>
-              <a:t>inherint from your </a:t>
-            </a:r>
-            <a:r>
-              <a:rPr lang="it-IT" dirty="0" smtClean="0"/>
-              <a:t>own base </a:t>
-            </a:r>
-            <a:r>
-              <a:rPr lang="it-IT" dirty="0" smtClean="0"/>
-              <a:t>class</a:t>
-            </a:r>
-            <a:endParaRPr lang="it-IT" dirty="0" smtClean="0"/>
+              <a:t>ASP.NET MVC is the base on which to build your own reference architecture</a:t>
+            </a:r>
+          </a:p>
+          <a:p>
+            <a:r>
+              <a:rPr lang="it-IT" dirty="0" smtClean="0"/>
+              <a:t>Controllers (and views) inherint from your own base class</a:t>
+            </a:r>
           </a:p>
         </p:txBody>
       </p:sp>
@@ -4637,19 +4585,7 @@
           <a:p>
             <a:r>
               <a:rPr lang="it-IT" dirty="0" smtClean="0"/>
-              <a:t>Best Practice </a:t>
-            </a:r>
-            <a:r>
-              <a:rPr lang="it-IT" dirty="0" smtClean="0"/>
-              <a:t>n°</a:t>
-            </a:r>
-            <a:r>
-              <a:rPr lang="it-IT" dirty="0" smtClean="0"/>
-              <a:t> </a:t>
-            </a:r>
-            <a:r>
-              <a:rPr lang="it-IT" dirty="0" smtClean="0"/>
-              <a:t>6</a:t>
+              <a:t>Best Practice n° 6</a:t>
             </a:r>
             <a:endParaRPr lang="it-IT" dirty="0"/>
           </a:p>
@@ -4953,15 +4889,7 @@
           <a:p>
             <a:r>
               <a:rPr lang="it-IT" dirty="0" smtClean="0"/>
-              <a:t>View sends data </a:t>
-            </a:r>
-            <a:r>
-              <a:rPr lang="it-IT" dirty="0" smtClean="0"/>
-              <a:t>in </a:t>
-            </a:r>
-            <a:r>
-              <a:rPr lang="it-IT" dirty="0" smtClean="0"/>
-              <a:t>POST</a:t>
+              <a:t>View sends data in POST</a:t>
             </a:r>
           </a:p>
           <a:p>
@@ -5576,25 +5504,15 @@
             <a:pPr lvl="1"/>
             <a:r>
               <a:rPr lang="it-IT" dirty="0" smtClean="0"/>
-              <a:t>Data + </a:t>
-            </a:r>
-            <a:r>
-              <a:rPr lang="it-IT" dirty="0" smtClean="0"/>
-              <a:t>Behaviours</a:t>
-            </a:r>
-            <a:endParaRPr lang="it-IT" dirty="0" smtClean="0"/>
+              <a:t>Data + Behaviours</a:t>
+            </a:r>
           </a:p>
           <a:p>
             <a:pPr lvl="1"/>
             <a:r>
               <a:rPr lang="it-IT" dirty="0" smtClean="0"/>
-              <a:t>hierarchical, </a:t>
-            </a:r>
-            <a:r>
-              <a:rPr lang="it-IT" dirty="0" smtClean="0"/>
-              <a:t>complex types</a:t>
-            </a:r>
-            <a:endParaRPr lang="it-IT" dirty="0" smtClean="0"/>
+              <a:t>hierarchical, complex types</a:t>
+            </a:r>
           </a:p>
           <a:p>
             <a:r>
@@ -7969,7 +7887,7 @@
       </p:grpSpPr>
       <p:sp>
         <p:nvSpPr>
-          <p:cNvPr id="5" name="Title 4"/>
+          <p:cNvPr id="2" name="Title 1"/>
           <p:cNvSpPr>
             <a:spLocks noGrp="1"/>
           </p:cNvSpPr>
@@ -7984,8 +7902,96 @@
           <a:p>
             <a:r>
               <a:rPr lang="en-US" dirty="0" smtClean="0"/>
-              <a:t>Q&amp;A</a:t>
-            </a:r>
+              <a:t>Credits</a:t>
+            </a:r>
+            <a:endParaRPr lang="en-US" dirty="0"/>
+          </a:p>
+        </p:txBody>
+      </p:sp>
+      <p:sp>
+        <p:nvSpPr>
+          <p:cNvPr id="3" name="Content Placeholder 2"/>
+          <p:cNvSpPr>
+            <a:spLocks noGrp="1"/>
+          </p:cNvSpPr>
+          <p:nvPr>
+            <p:ph idx="1"/>
+          </p:nvPr>
+        </p:nvSpPr>
+        <p:spPr>
+          <a:xfrm>
+            <a:off x="457200" y="990600"/>
+            <a:ext cx="8229600" cy="4081117"/>
+          </a:xfrm>
+        </p:spPr>
+        <p:txBody>
+          <a:bodyPr/>
+          <a:lstStyle/>
+          <a:p>
+            <a:r>
+              <a:rPr lang="en-US" dirty="0" smtClean="0"/>
+              <a:t>These talk has been inspired by </a:t>
+            </a:r>
+            <a:r>
+              <a:rPr lang="it-IT" smtClean="0"/>
+              <a:t>Sebastien </a:t>
+            </a:r>
+            <a:r>
+              <a:rPr lang="it-IT" smtClean="0"/>
+              <a:t>Lambla (founder of </a:t>
+            </a:r>
+            <a:r>
+              <a:rPr lang="it-IT" smtClean="0"/>
+              <a:t>Caffeine </a:t>
+            </a:r>
+            <a:r>
+              <a:rPr lang="it-IT" smtClean="0"/>
+              <a:t>IT) </a:t>
+            </a:r>
+            <a:r>
+              <a:rPr lang="it-IT" dirty="0" smtClean="0"/>
+              <a:t>and his ASP.NET MVC Best Practices</a:t>
+            </a:r>
+          </a:p>
+          <a:p>
+            <a:r>
+              <a:rPr lang="it-IT" dirty="0" smtClean="0"/>
+              <a:t>Watch his talk (which is way better than mine): </a:t>
+            </a:r>
+            <a:r>
+              <a:rPr lang="it-IT" dirty="0" smtClean="0">
+                <a:hlinkClick r:id="rId2"/>
+              </a:rPr>
+              <a:t>http://</a:t>
+            </a:r>
+            <a:r>
+              <a:rPr lang="it-IT" dirty="0" smtClean="0">
+                <a:hlinkClick r:id="rId2"/>
+              </a:rPr>
+              <a:t>serialseb.blogspot.com/2009/05/my-mvc-best-practices-talk.html</a:t>
+            </a:r>
+            <a:endParaRPr lang="en-US" dirty="0" smtClean="0"/>
+          </a:p>
+          <a:p>
+            <a:r>
+              <a:rPr lang="en-US" dirty="0" smtClean="0"/>
+              <a:t>Read his blog: </a:t>
+            </a:r>
+            <a:r>
+              <a:rPr lang="it-IT" dirty="0" smtClean="0">
+                <a:hlinkClick r:id="rId3"/>
+              </a:rPr>
+              <a:t>http://serialseb.blogspot.com/</a:t>
+            </a:r>
+            <a:endParaRPr lang="en-US" dirty="0" smtClean="0"/>
+          </a:p>
+          <a:p>
+            <a:pPr>
+              <a:buNone/>
+            </a:pPr>
+            <a:endParaRPr lang="en-US" dirty="0" smtClean="0"/>
+          </a:p>
+          <a:p>
             <a:endParaRPr lang="en-US" dirty="0"/>
           </a:p>
         </p:txBody>
@@ -8022,32 +8028,6 @@
           </a:p>
         </p:txBody>
       </p:sp>
-      <p:pic>
-        <p:nvPicPr>
-          <p:cNvPr id="7" name="Picture 2" descr="C:\projects\Boot camp\lolcats-funny-pictures-requests-in-triplicat.jpg"/>
-          <p:cNvPicPr>
-            <a:picLocks noChangeAspect="1" noChangeArrowheads="1"/>
-          </p:cNvPicPr>
-          <p:nvPr/>
-        </p:nvPicPr>
-        <p:blipFill>
-          <a:blip r:embed="rId2" cstate="print"/>
-          <a:srcRect/>
-          <a:stretch>
-            <a:fillRect/>
-          </a:stretch>
-        </p:blipFill>
-        <p:spPr bwMode="auto">
-          <a:xfrm>
-            <a:off x="1500166" y="1000108"/>
-            <a:ext cx="6525381" cy="5143536"/>
-          </a:xfrm>
-          <a:prstGeom prst="rect">
-            <a:avLst/>
-          </a:prstGeom>
-          <a:noFill/>
-        </p:spPr>
-      </p:pic>
     </p:spTree>
   </p:cSld>
   <p:clrMapOvr>
@@ -8137,6 +8117,119 @@
           </a:p>
         </p:txBody>
       </p:sp>
+    </p:spTree>
+  </p:cSld>
+  <p:clrMapOvr>
+    <a:masterClrMapping/>
+  </p:clrMapOvr>
+  <p:timing>
+    <p:tnLst>
+      <p:par>
+        <p:cTn id="1" dur="indefinite" restart="never" nodeType="tmRoot"/>
+      </p:par>
+    </p:tnLst>
+  </p:timing>
+</p:sld>
+</file>
+
+<file path=ppt/slides/slide50.xml><?xml version="1.0" encoding="utf-8"?>
+<p:sld xmlns:a="http://schemas.openxmlformats.org/drawingml/2006/main" xmlns:r="http://schemas.openxmlformats.org/officeDocument/2006/relationships" xmlns:p="http://schemas.openxmlformats.org/presentationml/2006/main">
+  <p:cSld>
+    <p:spTree>
+      <p:nvGrpSpPr>
+        <p:cNvPr id="1" name=""/>
+        <p:cNvGrpSpPr/>
+        <p:nvPr/>
+      </p:nvGrpSpPr>
+      <p:grpSpPr>
+        <a:xfrm>
+          <a:off x="0" y="0"/>
+          <a:ext cx="0" cy="0"/>
+          <a:chOff x="0" y="0"/>
+          <a:chExt cx="0" cy="0"/>
+        </a:xfrm>
+      </p:grpSpPr>
+      <p:sp>
+        <p:nvSpPr>
+          <p:cNvPr id="5" name="Title 4"/>
+          <p:cNvSpPr>
+            <a:spLocks noGrp="1"/>
+          </p:cNvSpPr>
+          <p:nvPr>
+            <p:ph type="title"/>
+          </p:nvPr>
+        </p:nvSpPr>
+        <p:spPr/>
+        <p:txBody>
+          <a:bodyPr/>
+          <a:lstStyle/>
+          <a:p>
+            <a:r>
+              <a:rPr lang="en-US" dirty="0" smtClean="0"/>
+              <a:t>Q&amp;A</a:t>
+            </a:r>
+            <a:endParaRPr lang="en-US" dirty="0"/>
+          </a:p>
+        </p:txBody>
+      </p:sp>
+      <p:sp>
+        <p:nvSpPr>
+          <p:cNvPr id="4" name="Slide Number Placeholder 3"/>
+          <p:cNvSpPr>
+            <a:spLocks noGrp="1"/>
+          </p:cNvSpPr>
+          <p:nvPr>
+            <p:ph type="sldNum" sz="quarter" idx="4294967295"/>
+          </p:nvPr>
+        </p:nvSpPr>
+        <p:spPr>
+          <a:xfrm>
+            <a:off x="0" y="6172200"/>
+            <a:ext cx="2133600" cy="323850"/>
+          </a:xfrm>
+          <a:prstGeom prst="rect">
+            <a:avLst/>
+          </a:prstGeom>
+        </p:spPr>
+        <p:txBody>
+          <a:bodyPr/>
+          <a:lstStyle/>
+          <a:p>
+            <a:fld id="{B9EAB02C-EC2A-4E09-A324-1FFFBDB5DA2B}" type="slidenum">
+              <a:rPr lang="en-US" smtClean="0"/>
+              <a:pPr/>
+              <a:t>49</a:t>
+            </a:fld>
+            <a:endParaRPr lang="en-US"/>
+          </a:p>
+        </p:txBody>
+      </p:sp>
+      <p:pic>
+        <p:nvPicPr>
+          <p:cNvPr id="7" name="Picture 2" descr="C:\projects\Boot camp\lolcats-funny-pictures-requests-in-triplicat.jpg"/>
+          <p:cNvPicPr>
+            <a:picLocks noChangeAspect="1" noChangeArrowheads="1"/>
+          </p:cNvPicPr>
+          <p:nvPr/>
+        </p:nvPicPr>
+        <p:blipFill>
+          <a:blip r:embed="rId2" cstate="print"/>
+          <a:srcRect/>
+          <a:stretch>
+            <a:fillRect/>
+          </a:stretch>
+        </p:blipFill>
+        <p:spPr bwMode="auto">
+          <a:xfrm>
+            <a:off x="1500166" y="1000108"/>
+            <a:ext cx="6525381" cy="5143536"/>
+          </a:xfrm>
+          <a:prstGeom prst="rect">
+            <a:avLst/>
+          </a:prstGeom>
+          <a:noFill/>
+        </p:spPr>
+      </p:pic>
     </p:spTree>
   </p:cSld>
   <p:clrMapOvr>
@@ -8907,15 +9000,7 @@
             <a:pPr algn="ctr"/>
             <a:r>
               <a:rPr lang="en-US" sz="1400" dirty="0" smtClean="0"/>
-              <a:t>The Model </a:t>
-            </a:r>
-            <a:r>
-              <a:rPr lang="en-US" sz="1400" dirty="0" smtClean="0"/>
-              <a:t>gives </a:t>
-            </a:r>
-            <a:r>
-              <a:rPr lang="en-US" sz="1400" dirty="0" smtClean="0"/>
-              <a:t>the data back to the Controller</a:t>
+              <a:t>The Model gives the data back to the Controller</a:t>
             </a:r>
             <a:endParaRPr lang="en-US" sz="1400" dirty="0"/>
           </a:p>
@@ -8962,15 +9047,7 @@
           <a:p>
             <a:r>
               <a:rPr lang="en-US" sz="1400" dirty="0" smtClean="0"/>
-              <a:t>The controller formats the data and </a:t>
-            </a:r>
-            <a:r>
-              <a:rPr lang="en-US" sz="1400" dirty="0" smtClean="0"/>
-              <a:t>passes </a:t>
-            </a:r>
-            <a:r>
-              <a:rPr lang="en-US" sz="1400" dirty="0" smtClean="0"/>
-              <a:t>them to the View</a:t>
+              <a:t>The controller formats the data and passes them to the View</a:t>
             </a:r>
             <a:endParaRPr lang="en-US" sz="1400" dirty="0"/>
           </a:p>
@@ -9841,29 +9918,13 @@
           <a:p>
             <a:r>
               <a:rPr lang="it-IT" dirty="0" smtClean="0"/>
-              <a:t>You will probably never use </a:t>
-            </a:r>
-            <a:r>
-              <a:rPr lang="it-IT" dirty="0" smtClean="0"/>
-              <a:t>these </a:t>
-            </a:r>
-            <a:r>
-              <a:rPr lang="it-IT" dirty="0" smtClean="0"/>
-              <a:t>account management pages</a:t>
-            </a:r>
-          </a:p>
-          <a:p>
-            <a:r>
-              <a:rPr lang="it-IT" dirty="0" smtClean="0"/>
-              <a:t>Keeping </a:t>
-            </a:r>
-            <a:r>
-              <a:rPr lang="it-IT" dirty="0" smtClean="0"/>
-              <a:t>demo </a:t>
-            </a:r>
-            <a:r>
-              <a:rPr lang="it-IT" dirty="0" smtClean="0"/>
-              <a:t>code in a production application is EVIL</a:t>
+              <a:t>You will probably never use these account management pages</a:t>
+            </a:r>
+          </a:p>
+          <a:p>
+            <a:r>
+              <a:rPr lang="it-IT" dirty="0" smtClean="0"/>
+              <a:t>Keeping demo code in a production application is EVIL</a:t>
             </a:r>
           </a:p>
           <a:p>
